--- a/Tutorial_0/Tutorial_0.pptx
+++ b/Tutorial_0/Tutorial_0.pptx
@@ -3151,10 +3151,45 @@
           </a:bodyPr>
           <a:lstStyle/>
           <a:p>
+            <a:r>
+              <a:rPr kumimoji="0" lang="en-CY" altLang="en-CY" sz="900" b="0" i="0" u="none" strike="noStrike" cap="none" normalizeH="0" baseline="0" dirty="0">
+                <a:ln>
+                  <a:noFill/>
+                </a:ln>
+                <a:solidFill>
+                  <a:srgbClr val="FF0000"/>
+                </a:solidFill>
+                <a:effectLst/>
+              </a:rPr>
+              <a:t>link : https://github.com/kos00pas/ECE318_Documentations/blob/main/Tutorial_0/Tutorial_0.md</a:t>
+            </a:r>
+            <a:endParaRPr lang="en-US" sz="1600" dirty="0">
+              <a:solidFill>
+                <a:srgbClr val="FF0000"/>
+              </a:solidFill>
+              <a:hlinkClick r:id="rId2" action="ppaction://hlinksldjump">
+                <a:extLst>
+                  <a:ext uri="{A12FA001-AC4F-418D-AE19-62706E023703}">
+                    <ahyp:hlinkClr xmlns:ahyp="http://schemas.microsoft.com/office/drawing/2018/hyperlinkcolor" val="tx"/>
+                  </a:ext>
+                </a:extLst>
+              </a:hlinkClick>
+            </a:endParaRPr>
+          </a:p>
+          <a:p>
             <a:pPr lvl="0"/>
             <a:r>
               <a:rPr sz="1400" dirty="0">
-                <a:hlinkClick r:id="rId2" action="ppaction://hlinksldjump"/>
+                <a:solidFill>
+                  <a:srgbClr val="0000FF"/>
+                </a:solidFill>
+                <a:hlinkClick r:id="rId2" action="ppaction://hlinksldjump">
+                  <a:extLst>
+                    <a:ext uri="{A12FA001-AC4F-418D-AE19-62706E023703}">
+                      <ahyp:hlinkClr xmlns:ahyp="http://schemas.microsoft.com/office/drawing/2018/hyperlinkcolor" val="tx"/>
+                    </a:ext>
+                  </a:extLst>
+                </a:hlinkClick>
               </a:rPr>
               <a:t>First Tutorial</a:t>
             </a:r>
